--- a/week4/Week4.pptx
+++ b/week4/Week4.pptx
@@ -2835,9 +2835,10 @@
           </a:p>
           <a:p>
             <a:r>
-              <a:rPr lang="en-US" dirty="0"/>
-              <a:t>6/27/2018</a:t>
-            </a:r>
+              <a:rPr lang="en-US"/>
+              <a:t>7/11/2018</a:t>
+            </a:r>
+            <a:endParaRPr lang="en-US" dirty="0"/>
           </a:p>
         </p:txBody>
       </p:sp>
@@ -3055,18 +3056,9 @@
           </a:p>
           <a:p>
             <a:r>
-              <a:rPr lang="en-US"/>
-              <a:t>YouTube channel: </a:t>
-            </a:r>
-            <a:r>
-              <a:rPr lang="en-US" dirty="0"/>
-              <a:t>Cool </a:t>
-            </a:r>
-            <a:r>
-              <a:rPr lang="en-US"/>
-              <a:t>Code Consortium 2018</a:t>
-            </a:r>
-            <a:endParaRPr lang="en-US" dirty="0"/>
+              <a:rPr lang="en-US" dirty="0"/>
+              <a:t>YouTube channel: Cool Code Consortium 2018</a:t>
+            </a:r>
           </a:p>
         </p:txBody>
       </p:sp>
